--- a/boards/openmv-cam/openmv-ae3/openmv-ae3-pinout.pptx
+++ b/boards/openmv-cam/openmv-ae3/openmv-ae3-pinout.pptx
@@ -4510,7 +4510,7 @@
           <p:nvPr>
             <p:extLst>
               <p:ext uri="{D42A27DB-BD31-4B8C-83A1-F6EECF244321}">
-                <p14:modId xmlns:p14="http://schemas.microsoft.com/office/powerpoint/2010/main" val="947915309"/>
+                <p14:modId xmlns:p14="http://schemas.microsoft.com/office/powerpoint/2010/main" val="4008158456"/>
               </p:ext>
             </p:extLst>
           </p:nvPr>
@@ -6628,7 +6628,7 @@
                       <a:pPr algn="ctr"/>
                       <a:r>
                         <a:rPr lang="en-US" sz="800" dirty="0"/>
-                        <a:t>TIM 5 T0</a:t>
+                        <a:t>TIM 5 T1</a:t>
                       </a:r>
                     </a:p>
                   </a:txBody>

--- a/boards/openmv-cam/openmv-ae3/openmv-ae3-pinout.pptx
+++ b/boards/openmv-cam/openmv-ae3/openmv-ae3-pinout.pptx
@@ -197,7 +197,7 @@
           <a:p>
             <a:fld id="{8F95101A-4907-46D3-ADD9-3FA9B1828FE4}" type="datetimeFigureOut">
               <a:rPr lang="en-US" smtClean="0"/>
-              <a:t>3/30/2025</a:t>
+              <a:t>1/9/2026</a:t>
             </a:fld>
             <a:endParaRPr lang="en-US"/>
           </a:p>
@@ -679,7 +679,7 @@
           <a:p>
             <a:fld id="{5169B0FF-CDA1-4BA2-882E-918BF983E683}" type="datetimeFigureOut">
               <a:rPr lang="en-US" smtClean="0"/>
-              <a:t>3/30/2025</a:t>
+              <a:t>1/9/2026</a:t>
             </a:fld>
             <a:endParaRPr lang="en-US"/>
           </a:p>
@@ -849,7 +849,7 @@
           <a:p>
             <a:fld id="{5169B0FF-CDA1-4BA2-882E-918BF983E683}" type="datetimeFigureOut">
               <a:rPr lang="en-US" smtClean="0"/>
-              <a:t>3/30/2025</a:t>
+              <a:t>1/9/2026</a:t>
             </a:fld>
             <a:endParaRPr lang="en-US"/>
           </a:p>
@@ -1029,7 +1029,7 @@
           <a:p>
             <a:fld id="{5169B0FF-CDA1-4BA2-882E-918BF983E683}" type="datetimeFigureOut">
               <a:rPr lang="en-US" smtClean="0"/>
-              <a:t>3/30/2025</a:t>
+              <a:t>1/9/2026</a:t>
             </a:fld>
             <a:endParaRPr lang="en-US"/>
           </a:p>
@@ -1199,7 +1199,7 @@
           <a:p>
             <a:fld id="{5169B0FF-CDA1-4BA2-882E-918BF983E683}" type="datetimeFigureOut">
               <a:rPr lang="en-US" smtClean="0"/>
-              <a:t>3/30/2025</a:t>
+              <a:t>1/9/2026</a:t>
             </a:fld>
             <a:endParaRPr lang="en-US"/>
           </a:p>
@@ -1445,7 +1445,7 @@
           <a:p>
             <a:fld id="{5169B0FF-CDA1-4BA2-882E-918BF983E683}" type="datetimeFigureOut">
               <a:rPr lang="en-US" smtClean="0"/>
-              <a:t>3/30/2025</a:t>
+              <a:t>1/9/2026</a:t>
             </a:fld>
             <a:endParaRPr lang="en-US"/>
           </a:p>
@@ -1677,7 +1677,7 @@
           <a:p>
             <a:fld id="{5169B0FF-CDA1-4BA2-882E-918BF983E683}" type="datetimeFigureOut">
               <a:rPr lang="en-US" smtClean="0"/>
-              <a:t>3/30/2025</a:t>
+              <a:t>1/9/2026</a:t>
             </a:fld>
             <a:endParaRPr lang="en-US"/>
           </a:p>
@@ -2044,7 +2044,7 @@
           <a:p>
             <a:fld id="{5169B0FF-CDA1-4BA2-882E-918BF983E683}" type="datetimeFigureOut">
               <a:rPr lang="en-US" smtClean="0"/>
-              <a:t>3/30/2025</a:t>
+              <a:t>1/9/2026</a:t>
             </a:fld>
             <a:endParaRPr lang="en-US"/>
           </a:p>
@@ -2162,7 +2162,7 @@
           <a:p>
             <a:fld id="{5169B0FF-CDA1-4BA2-882E-918BF983E683}" type="datetimeFigureOut">
               <a:rPr lang="en-US" smtClean="0"/>
-              <a:t>3/30/2025</a:t>
+              <a:t>1/9/2026</a:t>
             </a:fld>
             <a:endParaRPr lang="en-US"/>
           </a:p>
@@ -2257,7 +2257,7 @@
           <a:p>
             <a:fld id="{5169B0FF-CDA1-4BA2-882E-918BF983E683}" type="datetimeFigureOut">
               <a:rPr lang="en-US" smtClean="0"/>
-              <a:t>3/30/2025</a:t>
+              <a:t>1/9/2026</a:t>
             </a:fld>
             <a:endParaRPr lang="en-US"/>
           </a:p>
@@ -2534,7 +2534,7 @@
           <a:p>
             <a:fld id="{5169B0FF-CDA1-4BA2-882E-918BF983E683}" type="datetimeFigureOut">
               <a:rPr lang="en-US" smtClean="0"/>
-              <a:t>3/30/2025</a:t>
+              <a:t>1/9/2026</a:t>
             </a:fld>
             <a:endParaRPr lang="en-US"/>
           </a:p>
@@ -2791,7 +2791,7 @@
           <a:p>
             <a:fld id="{5169B0FF-CDA1-4BA2-882E-918BF983E683}" type="datetimeFigureOut">
               <a:rPr lang="en-US" smtClean="0"/>
-              <a:t>3/30/2025</a:t>
+              <a:t>1/9/2026</a:t>
             </a:fld>
             <a:endParaRPr lang="en-US"/>
           </a:p>
@@ -3004,7 +3004,7 @@
           <a:p>
             <a:fld id="{5169B0FF-CDA1-4BA2-882E-918BF983E683}" type="datetimeFigureOut">
               <a:rPr lang="en-US" smtClean="0"/>
-              <a:t>3/30/2025</a:t>
+              <a:t>1/9/2026</a:t>
             </a:fld>
             <a:endParaRPr lang="en-US"/>
           </a:p>
@@ -4510,7 +4510,7 @@
           <p:nvPr>
             <p:extLst>
               <p:ext uri="{D42A27DB-BD31-4B8C-83A1-F6EECF244321}">
-                <p14:modId xmlns:p14="http://schemas.microsoft.com/office/powerpoint/2010/main" val="4008158456"/>
+                <p14:modId xmlns:p14="http://schemas.microsoft.com/office/powerpoint/2010/main" val="1826100321"/>
               </p:ext>
             </p:extLst>
           </p:nvPr>
@@ -6895,70 +6895,16 @@
                   </a:txBody>
                   <a:tcPr marL="45720" marR="45720" anchor="ctr"/>
                 </a:tc>
-                <a:tc gridSpan="2">
-                  <a:txBody>
-                    <a:bodyPr/>
-                    <a:lstStyle/>
-                    <a:p>
-                      <a:pPr algn="ctr"/>
-                      <a:r>
-                        <a:rPr lang="en-US" sz="800" dirty="0"/>
-                        <a:t>JTAG_TCK</a:t>
-                      </a:r>
-                    </a:p>
-                  </a:txBody>
-                  <a:tcPr marL="45720" marR="45720" anchor="ctr"/>
-                </a:tc>
-                <a:tc hMerge="1">
-                  <a:txBody>
-                    <a:bodyPr/>
-                    <a:lstStyle/>
-                    <a:p>
-                      <a:endParaRPr lang="en-US"/>
-                    </a:p>
-                  </a:txBody>
-                  <a:tcPr/>
-                </a:tc>
-                <a:tc>
-                  <a:txBody>
-                    <a:bodyPr/>
-                    <a:lstStyle/>
-                    <a:p>
-                      <a:pPr algn="ctr"/>
-                      <a:endParaRPr lang="en-US" sz="800" dirty="0"/>
-                    </a:p>
-                  </a:txBody>
-                  <a:tcPr marL="45720" marR="45720" anchor="ctr"/>
-                </a:tc>
-                <a:tc>
-                  <a:txBody>
-                    <a:bodyPr/>
-                    <a:lstStyle/>
-                    <a:p>
-                      <a:pPr algn="ctr"/>
-                      <a:endParaRPr lang="en-US" sz="800" dirty="0"/>
-                    </a:p>
-                  </a:txBody>
-                  <a:tcPr marL="45720" marR="45720" anchor="ctr"/>
-                </a:tc>
-                <a:tc>
-                  <a:txBody>
-                    <a:bodyPr/>
-                    <a:lstStyle/>
-                    <a:p>
-                      <a:pPr algn="ctr"/>
-                      <a:endParaRPr lang="en-US" sz="800" dirty="0"/>
-                    </a:p>
-                  </a:txBody>
-                  <a:tcPr marL="45720" marR="45720" anchor="ctr"/>
-                </a:tc>
-                <a:tc>
-                  <a:txBody>
-                    <a:bodyPr/>
-                    <a:lstStyle/>
-                    <a:p>
-                      <a:pPr algn="ctr"/>
-                      <a:endParaRPr lang="en-US" sz="800" dirty="0"/>
+                <a:tc>
+                  <a:txBody>
+                    <a:bodyPr/>
+                    <a:lstStyle/>
+                    <a:p>
+                      <a:pPr algn="ctr"/>
+                      <a:r>
+                        <a:rPr lang="en-US" sz="800" dirty="0"/>
+                        <a:t>P10</a:t>
+                      </a:r>
                     </a:p>
                   </a:txBody>
                   <a:tcPr marL="45720" marR="45720" anchor="ctr"/>
@@ -6987,7 +6933,7 @@
                       </a:pPr>
                       <a:r>
                         <a:rPr lang="en-US" sz="800" dirty="0"/>
-                        <a:t>1.8V Ref</a:t>
+                        <a:t>JTAG TCK</a:t>
                       </a:r>
                     </a:p>
                   </a:txBody>
@@ -6998,12 +6944,46 @@
                     <a:bodyPr/>
                     <a:lstStyle/>
                     <a:p>
-                      <a:endParaRPr lang="en-US"/>
-                    </a:p>
-                  </a:txBody>
-                  <a:tcPr/>
-                </a:tc>
-                <a:tc>
+                      <a:pPr algn="ctr"/>
+                      <a:endParaRPr lang="en-US" sz="800" dirty="0"/>
+                    </a:p>
+                  </a:txBody>
+                  <a:tcPr marL="45720" marR="45720" anchor="ctr"/>
+                </a:tc>
+                <a:tc>
+                  <a:txBody>
+                    <a:bodyPr/>
+                    <a:lstStyle/>
+                    <a:p>
+                      <a:pPr algn="ctr"/>
+                      <a:endParaRPr lang="en-US" sz="800" dirty="0"/>
+                    </a:p>
+                  </a:txBody>
+                  <a:tcPr marL="45720" marR="45720" anchor="ctr"/>
+                </a:tc>
+                <a:tc>
+                  <a:txBody>
+                    <a:bodyPr/>
+                    <a:lstStyle/>
+                    <a:p>
+                      <a:pPr algn="ctr"/>
+                      <a:endParaRPr lang="en-US" sz="800" dirty="0"/>
+                    </a:p>
+                  </a:txBody>
+                  <a:tcPr marL="45720" marR="45720" anchor="ctr"/>
+                </a:tc>
+                <a:tc>
+                  <a:txBody>
+                    <a:bodyPr/>
+                    <a:lstStyle/>
+                    <a:p>
+                      <a:pPr algn="ctr"/>
+                      <a:endParaRPr lang="en-US" sz="800" dirty="0"/>
+                    </a:p>
+                  </a:txBody>
+                  <a:tcPr marL="45720" marR="45720" anchor="ctr"/>
+                </a:tc>
+                <a:tc gridSpan="2">
                   <a:txBody>
                     <a:bodyPr/>
                     <a:lstStyle/>
@@ -7027,42 +7007,7 @@
                       </a:pPr>
                       <a:r>
                         <a:rPr lang="en-US" sz="800" dirty="0"/>
-                        <a:t>P4.4</a:t>
-                      </a:r>
-                    </a:p>
-                  </a:txBody>
-                  <a:tcPr marL="45720" marR="45720" anchor="ctr"/>
-                </a:tc>
-                <a:extLst>
-                  <a:ext uri="{0D108BD9-81ED-4DB2-BD59-A6C34878D82A}">
-                    <a16:rowId xmlns:a16="http://schemas.microsoft.com/office/drawing/2014/main" val="4074966516"/>
-                  </a:ext>
-                </a:extLst>
-              </a:tr>
-              <a:tr h="137546">
-                <a:tc>
-                  <a:txBody>
-                    <a:bodyPr/>
-                    <a:lstStyle/>
-                    <a:p>
-                      <a:pPr algn="ctr"/>
-                      <a:r>
-                        <a:rPr lang="en-US" sz="800" dirty="0"/>
-                        <a:t>Pin 5</a:t>
-                      </a:r>
-                    </a:p>
-                  </a:txBody>
-                  <a:tcPr marL="45720" marR="45720" anchor="ctr"/>
-                </a:tc>
-                <a:tc gridSpan="2">
-                  <a:txBody>
-                    <a:bodyPr/>
-                    <a:lstStyle/>
-                    <a:p>
-                      <a:pPr algn="ctr"/>
-                      <a:r>
-                        <a:rPr lang="en-US" sz="800" dirty="0"/>
-                        <a:t>JTAG_TMS</a:t>
+                        <a:t>1.8V Ref</a:t>
                       </a:r>
                     </a:p>
                   </a:txBody>
@@ -7079,50 +7024,6 @@
                   <a:tcPr/>
                 </a:tc>
                 <a:tc>
-                  <a:txBody>
-                    <a:bodyPr/>
-                    <a:lstStyle/>
-                    <a:p>
-                      <a:pPr algn="ctr"/>
-                      <a:endParaRPr lang="en-US" sz="800" dirty="0"/>
-                    </a:p>
-                  </a:txBody>
-                  <a:tcPr marL="45720" marR="45720" anchor="ctr"/>
-                </a:tc>
-                <a:tc>
-                  <a:txBody>
-                    <a:bodyPr/>
-                    <a:lstStyle/>
-                    <a:p>
-                      <a:pPr algn="ctr"/>
-                      <a:endParaRPr lang="en-US" sz="800" dirty="0"/>
-                    </a:p>
-                  </a:txBody>
-                  <a:tcPr marL="45720" marR="45720" anchor="ctr"/>
-                </a:tc>
-                <a:tc>
-                  <a:txBody>
-                    <a:bodyPr/>
-                    <a:lstStyle/>
-                    <a:p>
-                      <a:pPr algn="ctr"/>
-                      <a:endParaRPr lang="en-US" sz="800" dirty="0"/>
-                    </a:p>
-                  </a:txBody>
-                  <a:tcPr marL="45720" marR="45720" anchor="ctr"/>
-                </a:tc>
-                <a:tc>
-                  <a:txBody>
-                    <a:bodyPr/>
-                    <a:lstStyle/>
-                    <a:p>
-                      <a:pPr algn="ctr"/>
-                      <a:endParaRPr lang="en-US" sz="800" dirty="0"/>
-                    </a:p>
-                  </a:txBody>
-                  <a:tcPr marL="45720" marR="45720" anchor="ctr"/>
-                </a:tc>
-                <a:tc gridSpan="2">
                   <a:txBody>
                     <a:bodyPr/>
                     <a:lstStyle/>
@@ -7146,23 +7047,48 @@
                       </a:pPr>
                       <a:r>
                         <a:rPr lang="en-US" sz="800" dirty="0"/>
-                        <a:t>1.8V Ref</a:t>
-                      </a:r>
-                    </a:p>
-                  </a:txBody>
-                  <a:tcPr marL="45720" marR="45720" anchor="ctr"/>
-                </a:tc>
-                <a:tc hMerge="1">
-                  <a:txBody>
-                    <a:bodyPr/>
-                    <a:lstStyle/>
-                    <a:p>
-                      <a:endParaRPr lang="en-US"/>
-                    </a:p>
-                  </a:txBody>
-                  <a:tcPr/>
-                </a:tc>
-                <a:tc>
+                        <a:t>P4.4</a:t>
+                      </a:r>
+                    </a:p>
+                  </a:txBody>
+                  <a:tcPr marL="45720" marR="45720" anchor="ctr"/>
+                </a:tc>
+                <a:extLst>
+                  <a:ext uri="{0D108BD9-81ED-4DB2-BD59-A6C34878D82A}">
+                    <a16:rowId xmlns:a16="http://schemas.microsoft.com/office/drawing/2014/main" val="4074966516"/>
+                  </a:ext>
+                </a:extLst>
+              </a:tr>
+              <a:tr h="190067">
+                <a:tc>
+                  <a:txBody>
+                    <a:bodyPr/>
+                    <a:lstStyle/>
+                    <a:p>
+                      <a:pPr algn="ctr"/>
+                      <a:r>
+                        <a:rPr lang="en-US" sz="800" dirty="0"/>
+                        <a:t>Pin 5</a:t>
+                      </a:r>
+                    </a:p>
+                  </a:txBody>
+                  <a:tcPr marL="45720" marR="45720" anchor="ctr"/>
+                </a:tc>
+                <a:tc>
+                  <a:txBody>
+                    <a:bodyPr/>
+                    <a:lstStyle/>
+                    <a:p>
+                      <a:pPr algn="ctr"/>
+                      <a:r>
+                        <a:rPr lang="en-US" sz="800" dirty="0"/>
+                        <a:t>P13</a:t>
+                      </a:r>
+                    </a:p>
+                  </a:txBody>
+                  <a:tcPr marL="45720" marR="45720" anchor="ctr"/>
+                </a:tc>
+                <a:tc gridSpan="2">
                   <a:txBody>
                     <a:bodyPr/>
                     <a:lstStyle/>
@@ -7186,58 +7112,13 @@
                       </a:pPr>
                       <a:r>
                         <a:rPr lang="en-US" sz="800" dirty="0"/>
-                        <a:t>P4.5</a:t>
-                      </a:r>
-                    </a:p>
-                  </a:txBody>
-                  <a:tcPr marL="45720" marR="45720" anchor="ctr"/>
-                </a:tc>
-                <a:extLst>
-                  <a:ext uri="{0D108BD9-81ED-4DB2-BD59-A6C34878D82A}">
-                    <a16:rowId xmlns:a16="http://schemas.microsoft.com/office/drawing/2014/main" val="1908191661"/>
-                  </a:ext>
-                </a:extLst>
-              </a:tr>
-              <a:tr h="137546">
-                <a:tc>
-                  <a:txBody>
-                    <a:bodyPr/>
-                    <a:lstStyle/>
-                    <a:p>
-                      <a:pPr algn="ctr"/>
-                      <a:r>
-                        <a:rPr lang="en-US" sz="800" dirty="0"/>
-                        <a:t>Pin 7</a:t>
-                      </a:r>
-                    </a:p>
-                  </a:txBody>
-                  <a:tcPr marL="45720" marR="45720" anchor="ctr"/>
-                </a:tc>
-                <a:tc gridSpan="2">
-                  <a:txBody>
-                    <a:bodyPr/>
-                    <a:lstStyle/>
-                    <a:p>
-                      <a:pPr algn="ctr"/>
-                      <a:r>
-                        <a:rPr lang="en-US" sz="800" dirty="0"/>
-                        <a:t>JTAG TDI</a:t>
+                        <a:t>JTAG TMS</a:t>
                       </a:r>
                     </a:p>
                   </a:txBody>
                   <a:tcPr marL="45720" marR="45720" anchor="ctr"/>
                 </a:tc>
                 <a:tc hMerge="1">
-                  <a:txBody>
-                    <a:bodyPr/>
-                    <a:lstStyle/>
-                    <a:p>
-                      <a:endParaRPr lang="en-US"/>
-                    </a:p>
-                  </a:txBody>
-                  <a:tcPr/>
-                </a:tc>
-                <a:tc>
                   <a:txBody>
                     <a:bodyPr/>
                     <a:lstStyle/>
@@ -7345,7 +7226,7 @@
                       </a:pPr>
                       <a:r>
                         <a:rPr lang="en-US" sz="800" dirty="0"/>
-                        <a:t>P4.6</a:t>
+                        <a:t>P4.5</a:t>
                       </a:r>
                     </a:p>
                   </a:txBody>
@@ -7353,7 +7234,7 @@
                 </a:tc>
                 <a:extLst>
                   <a:ext uri="{0D108BD9-81ED-4DB2-BD59-A6C34878D82A}">
-                    <a16:rowId xmlns:a16="http://schemas.microsoft.com/office/drawing/2014/main" val="2214505056"/>
+                    <a16:rowId xmlns:a16="http://schemas.microsoft.com/office/drawing/2014/main" val="1908191661"/>
                   </a:ext>
                 </a:extLst>
               </a:tr>
@@ -7366,7 +7247,21 @@
                       <a:pPr algn="ctr"/>
                       <a:r>
                         <a:rPr lang="en-US" sz="800" dirty="0"/>
-                        <a:t>Pin 9</a:t>
+                        <a:t>Pin 7</a:t>
+                      </a:r>
+                    </a:p>
+                  </a:txBody>
+                  <a:tcPr marL="45720" marR="45720" anchor="ctr"/>
+                </a:tc>
+                <a:tc>
+                  <a:txBody>
+                    <a:bodyPr/>
+                    <a:lstStyle/>
+                    <a:p>
+                      <a:pPr algn="ctr"/>
+                      <a:r>
+                        <a:rPr lang="en-US" sz="800" dirty="0"/>
+                        <a:t>P14</a:t>
                       </a:r>
                     </a:p>
                   </a:txBody>
@@ -7380,23 +7275,13 @@
                       <a:pPr algn="ctr"/>
                       <a:r>
                         <a:rPr lang="en-US" sz="800" dirty="0"/>
-                        <a:t>JTAG TDO</a:t>
+                        <a:t>JTAG TDI</a:t>
                       </a:r>
                     </a:p>
                   </a:txBody>
                   <a:tcPr marL="45720" marR="45720" anchor="ctr"/>
                 </a:tc>
                 <a:tc hMerge="1">
-                  <a:txBody>
-                    <a:bodyPr/>
-                    <a:lstStyle/>
-                    <a:p>
-                      <a:endParaRPr lang="en-US"/>
-                    </a:p>
-                  </a:txBody>
-                  <a:tcPr/>
-                </a:tc>
-                <a:tc>
                   <a:txBody>
                     <a:bodyPr/>
                     <a:lstStyle/>
@@ -7475,10 +7360,10 @@
                     <a:bodyPr/>
                     <a:lstStyle/>
                     <a:p>
-                      <a:endParaRPr dirty="0"/>
-                    </a:p>
-                  </a:txBody>
-                  <a:tcPr marL="45720" marR="45720" anchor="ctr"/>
+                      <a:endParaRPr lang="en-US"/>
+                    </a:p>
+                  </a:txBody>
+                  <a:tcPr/>
                 </a:tc>
                 <a:tc>
                   <a:txBody>
@@ -7504,7 +7389,7 @@
                       </a:pPr>
                       <a:r>
                         <a:rPr lang="en-US" sz="800" dirty="0"/>
-                        <a:t>P4.7</a:t>
+                        <a:t>P4.6</a:t>
                       </a:r>
                     </a:p>
                   </a:txBody>
@@ -7512,89 +7397,35 @@
                 </a:tc>
                 <a:extLst>
                   <a:ext uri="{0D108BD9-81ED-4DB2-BD59-A6C34878D82A}">
-                    <a16:rowId xmlns:a16="http://schemas.microsoft.com/office/drawing/2014/main" val="2376777526"/>
+                    <a16:rowId xmlns:a16="http://schemas.microsoft.com/office/drawing/2014/main" val="2214505056"/>
                   </a:ext>
                 </a:extLst>
               </a:tr>
-              <a:tr h="216143">
-                <a:tc>
-                  <a:txBody>
-                    <a:bodyPr/>
-                    <a:lstStyle/>
-                    <a:p>
-                      <a:pPr algn="ctr"/>
-                      <a:r>
-                        <a:rPr lang="en-US" sz="800" dirty="0"/>
-                        <a:t>Pin 11</a:t>
-                      </a:r>
-                    </a:p>
-                  </a:txBody>
-                  <a:tcPr marL="45720" marR="45720" anchor="ctr"/>
-                </a:tc>
-                <a:tc gridSpan="2">
-                  <a:txBody>
-                    <a:bodyPr/>
-                    <a:lstStyle/>
-                    <a:p>
-                      <a:pPr algn="ctr"/>
-                      <a:r>
-                        <a:rPr lang="en-US" sz="800" dirty="0"/>
-                        <a:t>JTAG RSTN</a:t>
-                      </a:r>
-                    </a:p>
-                  </a:txBody>
-                  <a:tcPr marL="45720" marR="45720" anchor="ctr"/>
-                </a:tc>
-                <a:tc hMerge="1">
-                  <a:txBody>
-                    <a:bodyPr/>
-                    <a:lstStyle/>
-                    <a:p>
-                      <a:endParaRPr lang="en-US"/>
-                    </a:p>
-                  </a:txBody>
-                  <a:tcPr/>
-                </a:tc>
-                <a:tc>
-                  <a:txBody>
-                    <a:bodyPr/>
-                    <a:lstStyle/>
-                    <a:p>
-                      <a:pPr algn="ctr"/>
-                      <a:endParaRPr lang="en-US" sz="800" dirty="0"/>
-                    </a:p>
-                  </a:txBody>
-                  <a:tcPr marL="45720" marR="45720" anchor="ctr"/>
-                </a:tc>
-                <a:tc>
-                  <a:txBody>
-                    <a:bodyPr/>
-                    <a:lstStyle/>
-                    <a:p>
-                      <a:pPr algn="ctr"/>
-                      <a:endParaRPr lang="en-US" sz="800" dirty="0"/>
-                    </a:p>
-                  </a:txBody>
-                  <a:tcPr marL="45720" marR="45720" anchor="ctr"/>
-                </a:tc>
-                <a:tc>
-                  <a:txBody>
-                    <a:bodyPr/>
-                    <a:lstStyle/>
-                    <a:p>
-                      <a:pPr algn="ctr"/>
-                      <a:endParaRPr lang="en-US" sz="800" dirty="0"/>
-                    </a:p>
-                  </a:txBody>
-                  <a:tcPr marL="45720" marR="45720" anchor="ctr"/>
-                </a:tc>
-                <a:tc>
-                  <a:txBody>
-                    <a:bodyPr/>
-                    <a:lstStyle/>
-                    <a:p>
-                      <a:pPr algn="ctr"/>
-                      <a:endParaRPr lang="en-US" sz="800" dirty="0"/>
+              <a:tr h="137546">
+                <a:tc>
+                  <a:txBody>
+                    <a:bodyPr/>
+                    <a:lstStyle/>
+                    <a:p>
+                      <a:pPr algn="ctr"/>
+                      <a:r>
+                        <a:rPr lang="en-US" sz="800" dirty="0"/>
+                        <a:t>Pin 9</a:t>
+                      </a:r>
+                    </a:p>
+                  </a:txBody>
+                  <a:tcPr marL="45720" marR="45720" anchor="ctr"/>
+                </a:tc>
+                <a:tc>
+                  <a:txBody>
+                    <a:bodyPr/>
+                    <a:lstStyle/>
+                    <a:p>
+                      <a:pPr algn="ctr"/>
+                      <a:r>
+                        <a:rPr lang="en-US" sz="800" dirty="0"/>
+                        <a:t>P11</a:t>
+                      </a:r>
                     </a:p>
                   </a:txBody>
                   <a:tcPr marL="45720" marR="45720" anchor="ctr"/>
@@ -7623,6 +7454,80 @@
                       </a:pPr>
                       <a:r>
                         <a:rPr lang="en-US" sz="800" dirty="0"/>
+                        <a:t>JTAG TDO</a:t>
+                      </a:r>
+                    </a:p>
+                  </a:txBody>
+                  <a:tcPr marL="45720" marR="45720" anchor="ctr"/>
+                </a:tc>
+                <a:tc hMerge="1">
+                  <a:txBody>
+                    <a:bodyPr/>
+                    <a:lstStyle/>
+                    <a:p>
+                      <a:pPr algn="ctr"/>
+                      <a:endParaRPr lang="en-US" sz="800" dirty="0"/>
+                    </a:p>
+                  </a:txBody>
+                  <a:tcPr marL="45720" marR="45720" anchor="ctr"/>
+                </a:tc>
+                <a:tc>
+                  <a:txBody>
+                    <a:bodyPr/>
+                    <a:lstStyle/>
+                    <a:p>
+                      <a:pPr algn="ctr"/>
+                      <a:endParaRPr lang="en-US" sz="800" dirty="0"/>
+                    </a:p>
+                  </a:txBody>
+                  <a:tcPr marL="45720" marR="45720" anchor="ctr"/>
+                </a:tc>
+                <a:tc>
+                  <a:txBody>
+                    <a:bodyPr/>
+                    <a:lstStyle/>
+                    <a:p>
+                      <a:pPr algn="ctr"/>
+                      <a:endParaRPr lang="en-US" sz="800" dirty="0"/>
+                    </a:p>
+                  </a:txBody>
+                  <a:tcPr marL="45720" marR="45720" anchor="ctr"/>
+                </a:tc>
+                <a:tc>
+                  <a:txBody>
+                    <a:bodyPr/>
+                    <a:lstStyle/>
+                    <a:p>
+                      <a:pPr algn="ctr"/>
+                      <a:endParaRPr lang="en-US" sz="800" dirty="0"/>
+                    </a:p>
+                  </a:txBody>
+                  <a:tcPr marL="45720" marR="45720" anchor="ctr"/>
+                </a:tc>
+                <a:tc gridSpan="2">
+                  <a:txBody>
+                    <a:bodyPr/>
+                    <a:lstStyle/>
+                    <a:p>
+                      <a:pPr marL="0" marR="0" lvl="0" indent="0" algn="ctr" defTabSz="914400" rtl="0" eaLnBrk="1" fontAlgn="auto" latinLnBrk="0" hangingPunct="1">
+                        <a:lnSpc>
+                          <a:spcPct val="100000"/>
+                        </a:lnSpc>
+                        <a:spcBef>
+                          <a:spcPts val="0"/>
+                        </a:spcBef>
+                        <a:spcAft>
+                          <a:spcPts val="0"/>
+                        </a:spcAft>
+                        <a:buClrTx/>
+                        <a:buSzTx/>
+                        <a:buFontTx/>
+                        <a:buNone/>
+                        <a:tabLst/>
+                        <a:defRPr/>
+                      </a:pPr>
+                      <a:r>
+                        <a:rPr lang="en-US" sz="800" dirty="0"/>
                         <a:t>1.8V Ref</a:t>
                       </a:r>
                     </a:p>
@@ -7634,7 +7539,165 @@
                     <a:bodyPr/>
                     <a:lstStyle/>
                     <a:p>
-                      <a:pPr/>
+                      <a:endParaRPr dirty="0"/>
+                    </a:p>
+                  </a:txBody>
+                  <a:tcPr marL="45720" marR="45720" anchor="ctr"/>
+                </a:tc>
+                <a:tc>
+                  <a:txBody>
+                    <a:bodyPr/>
+                    <a:lstStyle/>
+                    <a:p>
+                      <a:pPr marL="0" marR="0" lvl="0" indent="0" algn="ctr" defTabSz="914400" rtl="0" eaLnBrk="1" fontAlgn="auto" latinLnBrk="0" hangingPunct="1">
+                        <a:lnSpc>
+                          <a:spcPct val="100000"/>
+                        </a:lnSpc>
+                        <a:spcBef>
+                          <a:spcPts val="0"/>
+                        </a:spcBef>
+                        <a:spcAft>
+                          <a:spcPts val="0"/>
+                        </a:spcAft>
+                        <a:buClrTx/>
+                        <a:buSzTx/>
+                        <a:buFontTx/>
+                        <a:buNone/>
+                        <a:tabLst/>
+                        <a:defRPr/>
+                      </a:pPr>
+                      <a:r>
+                        <a:rPr lang="en-US" sz="800" dirty="0"/>
+                        <a:t>P4.7</a:t>
+                      </a:r>
+                    </a:p>
+                  </a:txBody>
+                  <a:tcPr marL="45720" marR="45720" anchor="ctr"/>
+                </a:tc>
+                <a:extLst>
+                  <a:ext uri="{0D108BD9-81ED-4DB2-BD59-A6C34878D82A}">
+                    <a16:rowId xmlns:a16="http://schemas.microsoft.com/office/drawing/2014/main" val="2376777526"/>
+                  </a:ext>
+                </a:extLst>
+              </a:tr>
+              <a:tr h="216143">
+                <a:tc>
+                  <a:txBody>
+                    <a:bodyPr/>
+                    <a:lstStyle/>
+                    <a:p>
+                      <a:pPr algn="ctr"/>
+                      <a:r>
+                        <a:rPr lang="en-US" sz="800" dirty="0"/>
+                        <a:t>Pin 11</a:t>
+                      </a:r>
+                    </a:p>
+                  </a:txBody>
+                  <a:tcPr marL="45720" marR="45720" anchor="ctr"/>
+                </a:tc>
+                <a:tc gridSpan="2">
+                  <a:txBody>
+                    <a:bodyPr/>
+                    <a:lstStyle/>
+                    <a:p>
+                      <a:pPr algn="ctr"/>
+                      <a:r>
+                        <a:rPr lang="en-US" sz="800" dirty="0"/>
+                        <a:t>JTAG RSTN</a:t>
+                      </a:r>
+                    </a:p>
+                  </a:txBody>
+                  <a:tcPr marL="45720" marR="45720" anchor="ctr"/>
+                </a:tc>
+                <a:tc hMerge="1">
+                  <a:txBody>
+                    <a:bodyPr/>
+                    <a:lstStyle/>
+                    <a:p>
+                      <a:endParaRPr lang="en-US"/>
+                    </a:p>
+                  </a:txBody>
+                  <a:tcPr/>
+                </a:tc>
+                <a:tc>
+                  <a:txBody>
+                    <a:bodyPr/>
+                    <a:lstStyle/>
+                    <a:p>
+                      <a:pPr algn="ctr"/>
+                      <a:endParaRPr lang="en-US" sz="800" dirty="0"/>
+                    </a:p>
+                  </a:txBody>
+                  <a:tcPr marL="45720" marR="45720" anchor="ctr"/>
+                </a:tc>
+                <a:tc>
+                  <a:txBody>
+                    <a:bodyPr/>
+                    <a:lstStyle/>
+                    <a:p>
+                      <a:pPr algn="ctr"/>
+                      <a:endParaRPr lang="en-US" sz="800" dirty="0"/>
+                    </a:p>
+                  </a:txBody>
+                  <a:tcPr marL="45720" marR="45720" anchor="ctr"/>
+                </a:tc>
+                <a:tc>
+                  <a:txBody>
+                    <a:bodyPr/>
+                    <a:lstStyle/>
+                    <a:p>
+                      <a:pPr algn="ctr"/>
+                      <a:endParaRPr lang="en-US" sz="800" dirty="0"/>
+                    </a:p>
+                  </a:txBody>
+                  <a:tcPr marL="45720" marR="45720" anchor="ctr"/>
+                </a:tc>
+                <a:tc>
+                  <a:txBody>
+                    <a:bodyPr/>
+                    <a:lstStyle/>
+                    <a:p>
+                      <a:pPr algn="ctr"/>
+                      <a:endParaRPr lang="en-US" sz="800" dirty="0"/>
+                    </a:p>
+                  </a:txBody>
+                  <a:tcPr marL="45720" marR="45720" anchor="ctr"/>
+                </a:tc>
+                <a:tc gridSpan="2">
+                  <a:txBody>
+                    <a:bodyPr/>
+                    <a:lstStyle/>
+                    <a:p>
+                      <a:pPr marL="0" marR="0" lvl="0" indent="0" algn="ctr" defTabSz="914400" rtl="0" eaLnBrk="1" fontAlgn="auto" latinLnBrk="0" hangingPunct="1">
+                        <a:lnSpc>
+                          <a:spcPct val="100000"/>
+                        </a:lnSpc>
+                        <a:spcBef>
+                          <a:spcPts val="0"/>
+                        </a:spcBef>
+                        <a:spcAft>
+                          <a:spcPts val="0"/>
+                        </a:spcAft>
+                        <a:buClrTx/>
+                        <a:buSzTx/>
+                        <a:buFontTx/>
+                        <a:buNone/>
+                        <a:tabLst/>
+                        <a:defRPr/>
+                      </a:pPr>
+                      <a:r>
+                        <a:rPr lang="en-US" sz="800" dirty="0"/>
+                        <a:t>1.8V Ref</a:t>
+                      </a:r>
+                    </a:p>
+                  </a:txBody>
+                  <a:tcPr marL="45720" marR="45720" anchor="ctr"/>
+                </a:tc>
+                <a:tc hMerge="1">
+                  <a:txBody>
+                    <a:bodyPr/>
+                    <a:lstStyle/>
+                    <a:p>
                       <a:endParaRPr dirty="0"/>
                     </a:p>
                   </a:txBody>
@@ -7791,7 +7854,6 @@
                     <a:bodyPr/>
                     <a:lstStyle/>
                     <a:p>
-                      <a:pPr/>
                       <a:endParaRPr dirty="0"/>
                     </a:p>
                   </a:txBody>
@@ -8070,7 +8132,6 @@
                     <a:bodyPr/>
                     <a:lstStyle/>
                     <a:p>
-                      <a:pPr/>
                       <a:endParaRPr dirty="0"/>
                     </a:p>
                   </a:txBody>
